--- a/Oplevering.pptx
+++ b/Oplevering.pptx
@@ -27,14 +27,14 @@
   <p:notesSz cx="6858000" cy="9144000"/>
   <p:embeddedFontLst>
     <p:embeddedFont>
-      <p:font typeface="Roboto" panose="020B0604020202020204" charset="0"/>
+      <p:font typeface="Montserrat" panose="020B0604020202020204" charset="0"/>
       <p:regular r:id="rId17"/>
       <p:bold r:id="rId18"/>
       <p:italic r:id="rId19"/>
       <p:boldItalic r:id="rId20"/>
     </p:embeddedFont>
     <p:embeddedFont>
-      <p:font typeface="Montserrat" panose="020B0604020202020204" charset="0"/>
+      <p:font typeface="Roboto" panose="020B0604020202020204" charset="0"/>
       <p:regular r:id="rId21"/>
       <p:bold r:id="rId22"/>
       <p:italic r:id="rId23"/>
@@ -243,6 +243,11 @@
       </a:defRPr>
     </a:lvl9pPr>
   </p:defaultTextStyle>
+  <p:extLst>
+    <p:ext uri="{EFAFB233-063F-42B5-8137-9DF3F51BA10A}">
+      <p15:sldGuideLst xmlns:p15="http://schemas.microsoft.com/office/powerpoint/2012/main"/>
+    </p:ext>
+  </p:extLst>
 </p:presentation>
 </file>
 
@@ -4700,17 +4705,6 @@
               <a:t>Prototype</a:t>
             </a:r>
           </a:p>
-          <a:p>
-            <a:pPr marL="457200" lvl="0" indent="-228600" rtl="0">
-              <a:spcBef>
-                <a:spcPts val="0"/>
-              </a:spcBef>
-            </a:pPr>
-            <a:r>
-              <a:rPr lang="en" dirty="0"/>
-              <a:t>Demonstratie</a:t>
-            </a:r>
-          </a:p>
         </p:txBody>
       </p:sp>
       <p:sp>
@@ -13642,7 +13636,6 @@
               <a:rPr lang="en" dirty="0"/>
               <a:t>Voorraadbeheer</a:t>
             </a:r>
-            <a:endParaRPr lang="en" dirty="0"/>
           </a:p>
           <a:p>
             <a:pPr marL="285750" indent="-285750"/>
@@ -14812,10 +14805,7 @@
               </a:spcBef>
               <a:buNone/>
             </a:pPr>
-            <a:r>
-              <a:rPr lang="en" dirty="0"/>
-              <a:t>. </a:t>
-            </a:r>
+            <a:endParaRPr lang="en" dirty="0"/>
           </a:p>
         </p:txBody>
       </p:sp>
